--- a/37 - With Thankful Hearts.pptx
+++ b/37 - With Thankful Hearts.pptx
@@ -6,8 +6,7 @@
   </p:sldMasterIdLst>
   <p:sldIdLst>
     <p:sldId id="256" r:id="rId2"/>
-    <p:sldId id="257" r:id="rId3"/>
-    <p:sldId id="258" r:id="rId4"/>
+    <p:sldId id="258" r:id="rId3"/>
   </p:sldIdLst>
   <p:sldSz cx="12192000" cy="6858000"/>
   <p:notesSz cx="6858000" cy="9144000"/>
@@ -114,10 +113,6 @@
 </p:presentation>
 </file>
 
-<file path=ppt/revisionInfo.xml><?xml version="1.0" encoding="utf-8"?>
-<p1510:revInfo xmlns:a="http://schemas.openxmlformats.org/drawingml/2006/main" xmlns:r="http://schemas.openxmlformats.org/officeDocument/2006/relationships" xmlns:p1510="http://schemas.microsoft.com/office/powerpoint/2015/10/main"/>
-</file>
-
 <file path=ppt/slideLayouts/slideLayout1.xml><?xml version="1.0" encoding="utf-8"?>
 <p:sldLayout xmlns:a="http://schemas.openxmlformats.org/drawingml/2006/main" xmlns:r="http://schemas.openxmlformats.org/officeDocument/2006/relationships" xmlns:p="http://schemas.openxmlformats.org/presentationml/2006/main" type="title" preserve="1">
   <p:cSld name="Title Slide">
@@ -247,7 +242,7 @@
           <a:p>
             <a:fld id="{32F7251A-AE54-443C-B8FE-5F636E835EBF}" type="datetimeFigureOut">
               <a:rPr lang="en-US" smtClean="0"/>
-              <a:t>6/11/2017</a:t>
+              <a:t>8/2/2020</a:t>
             </a:fld>
             <a:endParaRPr lang="en-US"/>
           </a:p>
@@ -415,7 +410,7 @@
           <a:p>
             <a:fld id="{32F7251A-AE54-443C-B8FE-5F636E835EBF}" type="datetimeFigureOut">
               <a:rPr lang="en-US" smtClean="0"/>
-              <a:t>6/11/2017</a:t>
+              <a:t>8/2/2020</a:t>
             </a:fld>
             <a:endParaRPr lang="en-US"/>
           </a:p>
@@ -593,7 +588,7 @@
           <a:p>
             <a:fld id="{32F7251A-AE54-443C-B8FE-5F636E835EBF}" type="datetimeFigureOut">
               <a:rPr lang="en-US" smtClean="0"/>
-              <a:t>6/11/2017</a:t>
+              <a:t>8/2/2020</a:t>
             </a:fld>
             <a:endParaRPr lang="en-US"/>
           </a:p>
@@ -761,7 +756,7 @@
           <a:p>
             <a:fld id="{32F7251A-AE54-443C-B8FE-5F636E835EBF}" type="datetimeFigureOut">
               <a:rPr lang="en-US" smtClean="0"/>
-              <a:t>6/11/2017</a:t>
+              <a:t>8/2/2020</a:t>
             </a:fld>
             <a:endParaRPr lang="en-US"/>
           </a:p>
@@ -1006,7 +1001,7 @@
           <a:p>
             <a:fld id="{32F7251A-AE54-443C-B8FE-5F636E835EBF}" type="datetimeFigureOut">
               <a:rPr lang="en-US" smtClean="0"/>
-              <a:t>6/11/2017</a:t>
+              <a:t>8/2/2020</a:t>
             </a:fld>
             <a:endParaRPr lang="en-US"/>
           </a:p>
@@ -1235,7 +1230,7 @@
           <a:p>
             <a:fld id="{32F7251A-AE54-443C-B8FE-5F636E835EBF}" type="datetimeFigureOut">
               <a:rPr lang="en-US" smtClean="0"/>
-              <a:t>6/11/2017</a:t>
+              <a:t>8/2/2020</a:t>
             </a:fld>
             <a:endParaRPr lang="en-US"/>
           </a:p>
@@ -1599,7 +1594,7 @@
           <a:p>
             <a:fld id="{32F7251A-AE54-443C-B8FE-5F636E835EBF}" type="datetimeFigureOut">
               <a:rPr lang="en-US" smtClean="0"/>
-              <a:t>6/11/2017</a:t>
+              <a:t>8/2/2020</a:t>
             </a:fld>
             <a:endParaRPr lang="en-US"/>
           </a:p>
@@ -1716,7 +1711,7 @@
           <a:p>
             <a:fld id="{32F7251A-AE54-443C-B8FE-5F636E835EBF}" type="datetimeFigureOut">
               <a:rPr lang="en-US" smtClean="0"/>
-              <a:t>6/11/2017</a:t>
+              <a:t>8/2/2020</a:t>
             </a:fld>
             <a:endParaRPr lang="en-US"/>
           </a:p>
@@ -1811,7 +1806,7 @@
           <a:p>
             <a:fld id="{32F7251A-AE54-443C-B8FE-5F636E835EBF}" type="datetimeFigureOut">
               <a:rPr lang="en-US" smtClean="0"/>
-              <a:t>6/11/2017</a:t>
+              <a:t>8/2/2020</a:t>
             </a:fld>
             <a:endParaRPr lang="en-US"/>
           </a:p>
@@ -2086,7 +2081,7 @@
           <a:p>
             <a:fld id="{32F7251A-AE54-443C-B8FE-5F636E835EBF}" type="datetimeFigureOut">
               <a:rPr lang="en-US" smtClean="0"/>
-              <a:t>6/11/2017</a:t>
+              <a:t>8/2/2020</a:t>
             </a:fld>
             <a:endParaRPr lang="en-US"/>
           </a:p>
@@ -2338,7 +2333,7 @@
           <a:p>
             <a:fld id="{32F7251A-AE54-443C-B8FE-5F636E835EBF}" type="datetimeFigureOut">
               <a:rPr lang="en-US" smtClean="0"/>
-              <a:t>6/11/2017</a:t>
+              <a:t>8/2/2020</a:t>
             </a:fld>
             <a:endParaRPr lang="en-US"/>
           </a:p>
@@ -2405,7 +2400,9 @@
     <p:bg>
       <p:bgPr>
         <a:solidFill>
-          <a:srgbClr val="333333"/>
+          <a:schemeClr val="bg1">
+            <a:lumMod val="10000"/>
+          </a:schemeClr>
         </a:solidFill>
         <a:effectLst/>
       </p:bgPr>
@@ -2552,7 +2549,7 @@
           <a:p>
             <a:fld id="{32F7251A-AE54-443C-B8FE-5F636E835EBF}" type="datetimeFigureOut">
               <a:rPr lang="en-US" smtClean="0"/>
-              <a:t>6/11/2017</a:t>
+              <a:t>8/2/2020</a:t>
             </a:fld>
             <a:endParaRPr lang="en-US"/>
           </a:p>
@@ -3022,8 +3019,8 @@
         </p:nvSpPr>
         <p:spPr>
           <a:xfrm>
-            <a:off x="0" y="5804209"/>
-            <a:ext cx="12192000" cy="830997"/>
+            <a:off x="0" y="5927320"/>
+            <a:ext cx="12192000" cy="584775"/>
           </a:xfrm>
           <a:prstGeom prst="rect">
             <a:avLst/>
@@ -3038,10 +3035,12 @@
           <a:p>
             <a:pPr algn="ctr"/>
             <a:r>
-              <a:rPr lang="en-US" sz="4800" dirty="0">
+              <a:rPr lang="en-US" sz="3200" u="sng" dirty="0">
                 <a:solidFill>
                   <a:schemeClr val="bg1"/>
                 </a:solidFill>
+                <a:latin typeface="Assistant SemiBold" panose="00000700000000000000" pitchFamily="2" charset="-79"/>
+                <a:cs typeface="Assistant SemiBold" panose="00000700000000000000" pitchFamily="2" charset="-79"/>
               </a:rPr>
               <a:t>“With Thankful Hearts”</a:t>
             </a:r>
@@ -3057,7 +3056,7 @@
         <p:spPr>
           <a:xfrm>
             <a:off x="0" y="1088006"/>
-            <a:ext cx="12192000" cy="3416320"/>
+            <a:ext cx="12192000" cy="3970318"/>
           </a:xfrm>
           <a:prstGeom prst="rect">
             <a:avLst/>
@@ -3072,64 +3071,115 @@
           <a:p>
             <a:pPr algn="ctr"/>
             <a:r>
-              <a:rPr lang="en-US" sz="3600" dirty="0">
+              <a:rPr lang="en-US" sz="2800" spc="50" dirty="0">
                 <a:solidFill>
                   <a:schemeClr val="bg1"/>
                 </a:solidFill>
+                <a:latin typeface="Assistant" panose="00000500000000000000" pitchFamily="2" charset="-79"/>
+                <a:cs typeface="Assistant" panose="00000500000000000000" pitchFamily="2" charset="-79"/>
               </a:rPr>
-              <a:t>With thankful hearts we meet,</a:t>
+              <a:t>With thankful hearts we meet, O Lord,</a:t>
             </a:r>
           </a:p>
           <a:p>
             <a:pPr algn="ctr"/>
             <a:r>
-              <a:rPr lang="en-US" sz="3600" dirty="0">
+              <a:rPr lang="en-US" sz="2800" spc="50" dirty="0">
                 <a:solidFill>
                   <a:schemeClr val="bg1"/>
                 </a:solidFill>
+                <a:latin typeface="Assistant" panose="00000500000000000000" pitchFamily="2" charset="-79"/>
+                <a:cs typeface="Assistant" panose="00000500000000000000" pitchFamily="2" charset="-79"/>
               </a:rPr>
-              <a:t>O Lord,</a:t>
+              <a:t>To sing Thy praise, to hear Thy word.</a:t>
             </a:r>
           </a:p>
           <a:p>
             <a:pPr algn="ctr"/>
             <a:r>
-              <a:rPr lang="en-US" sz="3600" dirty="0">
+              <a:rPr lang="en-US" sz="2800" spc="50" dirty="0">
                 <a:solidFill>
                   <a:schemeClr val="bg1"/>
                 </a:solidFill>
+                <a:latin typeface="Assistant" panose="00000500000000000000" pitchFamily="2" charset="-79"/>
+                <a:cs typeface="Assistant" panose="00000500000000000000" pitchFamily="2" charset="-79"/>
               </a:rPr>
-              <a:t>To sing Thy praise, to hear Thy word.</a:t>
+              <a:t>To seek Thy face in earnest prayer,</a:t>
             </a:r>
           </a:p>
           <a:p>
             <a:pPr algn="ctr"/>
-            <a:endParaRPr lang="en-US" sz="3600" dirty="0">
+            <a:r>
+              <a:rPr lang="en-US" sz="2800" spc="50" dirty="0">
+                <a:solidFill>
+                  <a:schemeClr val="bg1"/>
+                </a:solidFill>
+                <a:latin typeface="Assistant" panose="00000500000000000000" pitchFamily="2" charset="-79"/>
+                <a:cs typeface="Assistant" panose="00000500000000000000" pitchFamily="2" charset="-79"/>
+              </a:rPr>
+              <a:t>To cast on Thee each earthly care.</a:t>
+            </a:r>
+          </a:p>
+          <a:p>
+            <a:pPr algn="ctr"/>
+            <a:endParaRPr lang="en-US" sz="2800" spc="50" dirty="0">
               <a:solidFill>
                 <a:schemeClr val="bg1"/>
               </a:solidFill>
+              <a:latin typeface="Assistant" panose="00000500000000000000" pitchFamily="2" charset="-79"/>
+              <a:cs typeface="Assistant" panose="00000500000000000000" pitchFamily="2" charset="-79"/>
             </a:endParaRPr>
           </a:p>
           <a:p>
             <a:pPr algn="ctr"/>
             <a:r>
-              <a:rPr lang="en-US" sz="3600" dirty="0">
+              <a:rPr lang="en-US" sz="2800" spc="50" dirty="0">
                 <a:solidFill>
                   <a:schemeClr val="bg1"/>
                 </a:solidFill>
+                <a:latin typeface="Assistant" panose="00000500000000000000" pitchFamily="2" charset="-79"/>
+                <a:cs typeface="Assistant" panose="00000500000000000000" pitchFamily="2" charset="-79"/>
               </a:rPr>
-              <a:t>To seek Thy face in earnest prayer,</a:t>
+              <a:t>Dear Shepherd of Thy chosen flock,</a:t>
             </a:r>
           </a:p>
           <a:p>
             <a:pPr algn="ctr"/>
             <a:r>
-              <a:rPr lang="en-US" sz="3600" dirty="0">
+              <a:rPr lang="en-US" sz="2800" spc="50" dirty="0">
                 <a:solidFill>
                   <a:schemeClr val="bg1"/>
                 </a:solidFill>
+                <a:latin typeface="Assistant" panose="00000500000000000000" pitchFamily="2" charset="-79"/>
+                <a:cs typeface="Assistant" panose="00000500000000000000" pitchFamily="2" charset="-79"/>
               </a:rPr>
-              <a:t>To cast on Thee each earthly care.</a:t>
+              <a:t>Thy people’s shield, Their shadowing rock,</a:t>
+            </a:r>
+          </a:p>
+          <a:p>
+            <a:pPr algn="ctr"/>
+            <a:r>
+              <a:rPr lang="en-US" sz="2800" spc="50" dirty="0">
+                <a:solidFill>
+                  <a:schemeClr val="bg1"/>
+                </a:solidFill>
+                <a:latin typeface="Assistant" panose="00000500000000000000" pitchFamily="2" charset="-79"/>
+                <a:cs typeface="Assistant" panose="00000500000000000000" pitchFamily="2" charset="-79"/>
+              </a:rPr>
+              <a:t>Once more we meet to hear Thy voice,</a:t>
+            </a:r>
+          </a:p>
+          <a:p>
+            <a:pPr algn="ctr"/>
+            <a:r>
+              <a:rPr lang="en-US" sz="2800" spc="50" dirty="0">
+                <a:solidFill>
+                  <a:schemeClr val="bg1"/>
+                </a:solidFill>
+                <a:latin typeface="Assistant" panose="00000500000000000000" pitchFamily="2" charset="-79"/>
+                <a:cs typeface="Assistant" panose="00000500000000000000" pitchFamily="2" charset="-79"/>
+              </a:rPr>
+              <a:t>Once more before Thee to rejoice.</a:t>
             </a:r>
           </a:p>
         </p:txBody>
@@ -3229,8 +3279,8 @@
         </p:nvSpPr>
         <p:spPr>
           <a:xfrm>
-            <a:off x="0" y="5804209"/>
-            <a:ext cx="12192000" cy="830997"/>
+            <a:off x="0" y="5927320"/>
+            <a:ext cx="12192000" cy="584775"/>
           </a:xfrm>
           <a:prstGeom prst="rect">
             <a:avLst/>
@@ -3245,10 +3295,12 @@
           <a:p>
             <a:pPr algn="ctr"/>
             <a:r>
-              <a:rPr lang="en-US" sz="4800" dirty="0">
+              <a:rPr lang="en-US" sz="3200" u="sng" dirty="0">
                 <a:solidFill>
                   <a:schemeClr val="bg1"/>
                 </a:solidFill>
+                <a:latin typeface="Assistant SemiBold" panose="00000700000000000000" pitchFamily="2" charset="-79"/>
+                <a:cs typeface="Assistant SemiBold" panose="00000700000000000000" pitchFamily="2" charset="-79"/>
               </a:rPr>
               <a:t>“With Thankful Hearts”</a:t>
             </a:r>
@@ -3263,8 +3315,8 @@
         </p:nvSpPr>
         <p:spPr>
           <a:xfrm>
-            <a:off x="0" y="1088006"/>
-            <a:ext cx="12192000" cy="3416320"/>
+            <a:off x="0" y="1613118"/>
+            <a:ext cx="12192000" cy="1815882"/>
           </a:xfrm>
           <a:prstGeom prst="rect">
             <a:avLst/>
@@ -3279,269 +3331,51 @@
           <a:p>
             <a:pPr algn="ctr"/>
             <a:r>
-              <a:rPr lang="en-US" sz="3600" dirty="0">
+              <a:rPr lang="en-US" sz="2800" spc="50" dirty="0">
                 <a:solidFill>
                   <a:schemeClr val="bg1"/>
                 </a:solidFill>
+                <a:latin typeface="Assistant" panose="00000500000000000000" pitchFamily="2" charset="-79"/>
+                <a:cs typeface="Assistant" panose="00000500000000000000" pitchFamily="2" charset="-79"/>
               </a:rPr>
-              <a:t>Dear Shepherd of Thy chosen flock,</a:t>
+              <a:t>Thy presence, Savior, now we seek,</a:t>
             </a:r>
           </a:p>
           <a:p>
             <a:pPr algn="ctr"/>
             <a:r>
-              <a:rPr lang="en-US" sz="3600" dirty="0">
+              <a:rPr lang="en-US" sz="2800" spc="50" dirty="0">
                 <a:solidFill>
                   <a:schemeClr val="bg1"/>
                 </a:solidFill>
+                <a:latin typeface="Assistant" panose="00000500000000000000" pitchFamily="2" charset="-79"/>
+                <a:cs typeface="Assistant" panose="00000500000000000000" pitchFamily="2" charset="-79"/>
               </a:rPr>
-              <a:t>Thy people’s shield,</a:t>
+              <a:t>Confirm the strong, sustain the weak;</a:t>
             </a:r>
           </a:p>
           <a:p>
             <a:pPr algn="ctr"/>
             <a:r>
-              <a:rPr lang="en-US" sz="3600" dirty="0">
+              <a:rPr lang="en-US" sz="2800" spc="50" dirty="0">
                 <a:solidFill>
                   <a:schemeClr val="bg1"/>
                 </a:solidFill>
+                <a:latin typeface="Assistant" panose="00000500000000000000" pitchFamily="2" charset="-79"/>
+                <a:cs typeface="Assistant" panose="00000500000000000000" pitchFamily="2" charset="-79"/>
               </a:rPr>
-              <a:t>Their shadowing rock,</a:t>
+              <a:t>Way-worn and tired we hither come;</a:t>
             </a:r>
           </a:p>
           <a:p>
             <a:pPr algn="ctr"/>
-            <a:endParaRPr lang="en-US" sz="3600" dirty="0">
-              <a:solidFill>
-                <a:schemeClr val="bg1"/>
-              </a:solidFill>
-            </a:endParaRPr>
-          </a:p>
-          <a:p>
-            <a:pPr algn="ctr"/>
-            <a:r>
-              <a:rPr lang="en-US" sz="3600" dirty="0">
+            <a:r>
+              <a:rPr lang="en-US" sz="2800" spc="50" dirty="0">
                 <a:solidFill>
                   <a:schemeClr val="bg1"/>
                 </a:solidFill>
-              </a:rPr>
-              <a:t>Once more we meet to hear Thy voice,</a:t>
-            </a:r>
-          </a:p>
-          <a:p>
-            <a:pPr algn="ctr"/>
-            <a:r>
-              <a:rPr lang="en-US" sz="3600" dirty="0">
-                <a:solidFill>
-                  <a:schemeClr val="bg1"/>
-                </a:solidFill>
-              </a:rPr>
-              <a:t>Once more before Thee to rejoice.</a:t>
-            </a:r>
-          </a:p>
-        </p:txBody>
-      </p:sp>
-    </p:spTree>
-    <p:extLst>
-      <p:ext uri="{BB962C8B-B14F-4D97-AF65-F5344CB8AC3E}">
-        <p14:creationId xmlns:p14="http://schemas.microsoft.com/office/powerpoint/2010/main" val="2762702923"/>
-      </p:ext>
-    </p:extLst>
-  </p:cSld>
-  <p:clrMapOvr>
-    <a:masterClrMapping/>
-  </p:clrMapOvr>
-</p:sld>
-</file>
-
-<file path=ppt/slides/slide3.xml><?xml version="1.0" encoding="utf-8"?>
-<p:sld xmlns:a="http://schemas.openxmlformats.org/drawingml/2006/main" xmlns:r="http://schemas.openxmlformats.org/officeDocument/2006/relationships" xmlns:p="http://schemas.openxmlformats.org/presentationml/2006/main">
-  <p:cSld>
-    <p:spTree>
-      <p:nvGrpSpPr>
-        <p:cNvPr id="1" name=""/>
-        <p:cNvGrpSpPr/>
-        <p:nvPr/>
-      </p:nvGrpSpPr>
-      <p:grpSpPr>
-        <a:xfrm>
-          <a:off x="0" y="0"/>
-          <a:ext cx="0" cy="0"/>
-          <a:chOff x="0" y="0"/>
-          <a:chExt cx="0" cy="0"/>
-        </a:xfrm>
-      </p:grpSpPr>
-      <p:sp>
-        <p:nvSpPr>
-          <p:cNvPr id="4" name="Rectangle 3"/>
-          <p:cNvSpPr/>
-          <p:nvPr/>
-        </p:nvSpPr>
-        <p:spPr>
-          <a:xfrm>
-            <a:off x="0" y="5444197"/>
-            <a:ext cx="12192000" cy="1413803"/>
-          </a:xfrm>
-          <a:prstGeom prst="rect">
-            <a:avLst/>
-          </a:prstGeom>
-          <a:gradFill flip="none" rotWithShape="1">
-            <a:gsLst>
-              <a:gs pos="0">
-                <a:srgbClr val="998675">
-                  <a:alpha val="0"/>
-                </a:srgbClr>
-              </a:gs>
-              <a:gs pos="100000">
-                <a:srgbClr val="998675"/>
-              </a:gs>
-            </a:gsLst>
-            <a:lin ang="5400000" scaled="1"/>
-            <a:tileRect/>
-          </a:gradFill>
-          <a:ln>
-            <a:noFill/>
-          </a:ln>
-        </p:spPr>
-        <p:style>
-          <a:lnRef idx="2">
-            <a:schemeClr val="accent1">
-              <a:shade val="50000"/>
-            </a:schemeClr>
-          </a:lnRef>
-          <a:fillRef idx="1">
-            <a:schemeClr val="accent1"/>
-          </a:fillRef>
-          <a:effectRef idx="0">
-            <a:schemeClr val="accent1"/>
-          </a:effectRef>
-          <a:fontRef idx="minor">
-            <a:schemeClr val="lt1"/>
-          </a:fontRef>
-        </p:style>
-        <p:txBody>
-          <a:bodyPr rtlCol="0" anchor="ctr"/>
-          <a:lstStyle/>
-          <a:p>
-            <a:pPr algn="ctr"/>
-            <a:endParaRPr lang="en-US"/>
-          </a:p>
-        </p:txBody>
-      </p:sp>
-      <p:sp>
-        <p:nvSpPr>
-          <p:cNvPr id="7" name="TextBox 6"/>
-          <p:cNvSpPr txBox="1"/>
-          <p:nvPr/>
-        </p:nvSpPr>
-        <p:spPr>
-          <a:xfrm>
-            <a:off x="0" y="5804209"/>
-            <a:ext cx="12192000" cy="830997"/>
-          </a:xfrm>
-          <a:prstGeom prst="rect">
-            <a:avLst/>
-          </a:prstGeom>
-          <a:noFill/>
-        </p:spPr>
-        <p:txBody>
-          <a:bodyPr wrap="square" rtlCol="0" anchor="ctr">
-            <a:spAutoFit/>
-          </a:bodyPr>
-          <a:lstStyle/>
-          <a:p>
-            <a:pPr algn="ctr"/>
-            <a:r>
-              <a:rPr lang="en-US" sz="4800" dirty="0">
-                <a:solidFill>
-                  <a:schemeClr val="bg1"/>
-                </a:solidFill>
-              </a:rPr>
-              <a:t>“With Thankful Hearts”</a:t>
-            </a:r>
-          </a:p>
-        </p:txBody>
-      </p:sp>
-      <p:sp>
-        <p:nvSpPr>
-          <p:cNvPr id="8" name="TextBox 7"/>
-          <p:cNvSpPr txBox="1"/>
-          <p:nvPr/>
-        </p:nvSpPr>
-        <p:spPr>
-          <a:xfrm>
-            <a:off x="0" y="1088006"/>
-            <a:ext cx="12192000" cy="3416320"/>
-          </a:xfrm>
-          <a:prstGeom prst="rect">
-            <a:avLst/>
-          </a:prstGeom>
-          <a:noFill/>
-        </p:spPr>
-        <p:txBody>
-          <a:bodyPr wrap="square" rtlCol="0">
-            <a:spAutoFit/>
-          </a:bodyPr>
-          <a:lstStyle/>
-          <a:p>
-            <a:pPr algn="ctr"/>
-            <a:r>
-              <a:rPr lang="en-US" sz="3600" dirty="0">
-                <a:solidFill>
-                  <a:schemeClr val="bg1"/>
-                </a:solidFill>
-              </a:rPr>
-              <a:t>Thy presence, Savior,</a:t>
-            </a:r>
-          </a:p>
-          <a:p>
-            <a:pPr algn="ctr"/>
-            <a:r>
-              <a:rPr lang="en-US" sz="3600" dirty="0">
-                <a:solidFill>
-                  <a:schemeClr val="bg1"/>
-                </a:solidFill>
-              </a:rPr>
-              <a:t>Now we seek,</a:t>
-            </a:r>
-          </a:p>
-          <a:p>
-            <a:pPr algn="ctr"/>
-            <a:r>
-              <a:rPr lang="en-US" sz="3600" dirty="0">
-                <a:solidFill>
-                  <a:schemeClr val="bg1"/>
-                </a:solidFill>
-              </a:rPr>
-              <a:t>Confirm the strong, sustain the weak;</a:t>
-            </a:r>
-          </a:p>
-          <a:p>
-            <a:pPr algn="ctr"/>
-            <a:endParaRPr lang="en-US" sz="3600" dirty="0">
-              <a:solidFill>
-                <a:schemeClr val="bg1"/>
-              </a:solidFill>
-            </a:endParaRPr>
-          </a:p>
-          <a:p>
-            <a:pPr algn="ctr"/>
-            <a:r>
-              <a:rPr lang="en-US" sz="3600" dirty="0">
-                <a:solidFill>
-                  <a:schemeClr val="bg1"/>
-                </a:solidFill>
-              </a:rPr>
-              <a:t>Way-worn and tired we hither come;</a:t>
-            </a:r>
-          </a:p>
-          <a:p>
-            <a:pPr algn="ctr"/>
-            <a:r>
-              <a:rPr lang="en-US" sz="3600" dirty="0">
-                <a:solidFill>
-                  <a:schemeClr val="bg1"/>
-                </a:solidFill>
+                <a:latin typeface="Assistant" panose="00000500000000000000" pitchFamily="2" charset="-79"/>
+                <a:cs typeface="Assistant" panose="00000500000000000000" pitchFamily="2" charset="-79"/>
               </a:rPr>
               <a:t>Give us a foretaste of our home.</a:t>
             </a:r>
